--- a/Manutenção Village/Solução ETE.pptx
+++ b/Manutenção Village/Solução ETE.pptx
@@ -7,10 +7,10 @@
     <p:sldMasterId id="2147483650" r:id="rId3"/>
   </p:sldMasterIdLst>
   <p:notesMasterIdLst>
-    <p:notesMasterId r:id="rId12"/>
+    <p:notesMasterId r:id="rId13"/>
   </p:notesMasterIdLst>
   <p:handoutMasterIdLst>
-    <p:handoutMasterId r:id="rId13"/>
+    <p:handoutMasterId r:id="rId14"/>
   </p:handoutMasterIdLst>
   <p:sldIdLst>
     <p:sldId id="330" r:id="rId4"/>
@@ -21,6 +21,7 @@
     <p:sldId id="375" r:id="rId9"/>
     <p:sldId id="376" r:id="rId10"/>
     <p:sldId id="371" r:id="rId11"/>
+    <p:sldId id="377" r:id="rId12"/>
   </p:sldIdLst>
   <p:sldSz cx="9144000" cy="6858000" type="screen4x3"/>
   <p:notesSz cx="7099300" cy="10234613"/>
@@ -15596,6 +15597,312 @@
       </p:grpSpPr>
       <p:pic>
         <p:nvPicPr>
+          <p:cNvPr id="96261" name="Picture 13"/>
+          <p:cNvPicPr>
+            <a:picLocks noChangeAspect="1" noChangeArrowheads="1"/>
+          </p:cNvPicPr>
+          <p:nvPr/>
+        </p:nvPicPr>
+        <p:blipFill>
+          <a:blip r:embed="rId2">
+            <a:extLst>
+              <a:ext uri="{28A0092B-C50C-407E-A947-70E740481C1C}">
+                <a14:useLocalDpi xmlns:a14="http://schemas.microsoft.com/office/drawing/2010/main" val="0"/>
+              </a:ext>
+            </a:extLst>
+          </a:blip>
+          <a:srcRect/>
+          <a:stretch>
+            <a:fillRect/>
+          </a:stretch>
+        </p:blipFill>
+        <p:spPr bwMode="auto">
+          <a:xfrm>
+            <a:off x="179388" y="908050"/>
+            <a:ext cx="8785225" cy="144463"/>
+          </a:xfrm>
+          <a:prstGeom prst="rect">
+            <a:avLst/>
+          </a:prstGeom>
+          <a:noFill/>
+          <a:ln>
+            <a:noFill/>
+          </a:ln>
+          <a:extLst>
+            <a:ext uri="{909E8E84-426E-40DD-AFC4-6F175D3DCCD1}">
+              <a14:hiddenFill xmlns:a14="http://schemas.microsoft.com/office/drawing/2010/main">
+                <a:solidFill>
+                  <a:srgbClr val="FFFFFF"/>
+                </a:solidFill>
+              </a14:hiddenFill>
+            </a:ext>
+            <a:ext uri="{91240B29-F687-4F45-9708-019B960494DF}">
+              <a14:hiddenLine xmlns:a14="http://schemas.microsoft.com/office/drawing/2010/main" w="9525">
+                <a:solidFill>
+                  <a:srgbClr val="000000"/>
+                </a:solidFill>
+                <a:round/>
+                <a:headEnd/>
+                <a:tailEnd/>
+              </a14:hiddenLine>
+            </a:ext>
+          </a:extLst>
+        </p:spPr>
+      </p:pic>
+      <p:sp>
+        <p:nvSpPr>
+          <p:cNvPr id="96262" name="Text Box 18"/>
+          <p:cNvSpPr txBox="1">
+            <a:spLocks noChangeArrowheads="1"/>
+          </p:cNvSpPr>
+          <p:nvPr/>
+        </p:nvSpPr>
+        <p:spPr bwMode="auto">
+          <a:xfrm>
+            <a:off x="-432620" y="222502"/>
+            <a:ext cx="9109075" cy="373757"/>
+          </a:xfrm>
+          <a:prstGeom prst="rect">
+            <a:avLst/>
+          </a:prstGeom>
+          <a:noFill/>
+          <a:ln>
+            <a:noFill/>
+          </a:ln>
+          <a:extLst>
+            <a:ext uri="{909E8E84-426E-40DD-AFC4-6F175D3DCCD1}">
+              <a14:hiddenFill xmlns:a14="http://schemas.microsoft.com/office/drawing/2010/main">
+                <a:solidFill>
+                  <a:srgbClr val="FFFFFF"/>
+                </a:solidFill>
+              </a14:hiddenFill>
+            </a:ext>
+            <a:ext uri="{91240B29-F687-4F45-9708-019B960494DF}">
+              <a14:hiddenLine xmlns:a14="http://schemas.microsoft.com/office/drawing/2010/main" w="9525">
+                <a:solidFill>
+                  <a:srgbClr val="000000"/>
+                </a:solidFill>
+                <a:miter lim="800000"/>
+                <a:headEnd/>
+                <a:tailEnd/>
+              </a14:hiddenLine>
+            </a:ext>
+          </a:extLst>
+        </p:spPr>
+        <p:txBody>
+          <a:bodyPr>
+            <a:spAutoFit/>
+          </a:bodyPr>
+          <a:lstStyle/>
+          <a:p>
+            <a:pPr marL="1350645" marR="294640" algn="ctr">
+              <a:lnSpc>
+                <a:spcPct val="107000"/>
+              </a:lnSpc>
+              <a:spcAft>
+                <a:spcPts val="800"/>
+              </a:spcAft>
+            </a:pPr>
+            <a:r>
+              <a:rPr lang="pt-BR" sz="1800" b="1" dirty="0">
+                <a:effectLst/>
+                <a:latin typeface="Arial" panose="020B0604020202020204" pitchFamily="34" charset="0"/>
+                <a:ea typeface="Calibri" panose="020F0502020204030204" pitchFamily="34" charset="0"/>
+                <a:cs typeface="Times New Roman" panose="02020603050405020304" pitchFamily="18" charset="0"/>
+              </a:rPr>
+              <a:t>CONDOMINIO RESIDENCIAL VILLAGE</a:t>
+            </a:r>
+            <a:r>
+              <a:rPr lang="pt-BR" sz="1800" dirty="0">
+                <a:effectLst/>
+                <a:latin typeface="Arial" panose="020B0604020202020204" pitchFamily="34" charset="0"/>
+                <a:ea typeface="Calibri" panose="020F0502020204030204" pitchFamily="34" charset="0"/>
+                <a:cs typeface="Times New Roman" panose="02020603050405020304" pitchFamily="18" charset="0"/>
+              </a:rPr>
+              <a:t> </a:t>
+            </a:r>
+            <a:r>
+              <a:rPr lang="pt-BR" sz="1800" b="1" dirty="0">
+                <a:effectLst/>
+                <a:latin typeface="Arial" panose="020B0604020202020204" pitchFamily="34" charset="0"/>
+                <a:ea typeface="Calibri" panose="020F0502020204030204" pitchFamily="34" charset="0"/>
+                <a:cs typeface="Times New Roman" panose="02020603050405020304" pitchFamily="18" charset="0"/>
+              </a:rPr>
+              <a:t>THERMAS DAS CALDAS</a:t>
+            </a:r>
+            <a:endParaRPr lang="pt-BR" sz="1800" dirty="0">
+              <a:effectLst/>
+              <a:latin typeface="Calibri" panose="020F0502020204030204" pitchFamily="34" charset="0"/>
+              <a:ea typeface="Calibri" panose="020F0502020204030204" pitchFamily="34" charset="0"/>
+              <a:cs typeface="Times New Roman" panose="02020603050405020304" pitchFamily="18" charset="0"/>
+            </a:endParaRPr>
+          </a:p>
+        </p:txBody>
+      </p:sp>
+      <p:pic>
+        <p:nvPicPr>
+          <p:cNvPr id="7" name="Imagem 6">
+            <a:extLst>
+              <a:ext uri="{FF2B5EF4-FFF2-40B4-BE49-F238E27FC236}">
+                <a16:creationId xmlns:a16="http://schemas.microsoft.com/office/drawing/2014/main" id="{E5194EAE-ACC3-4E7D-89F6-7BC424B2FEC6}"/>
+              </a:ext>
+            </a:extLst>
+          </p:cNvPr>
+          <p:cNvPicPr>
+            <a:picLocks noChangeAspect="1"/>
+          </p:cNvPicPr>
+          <p:nvPr/>
+        </p:nvPicPr>
+        <p:blipFill>
+          <a:blip r:embed="rId3">
+            <a:extLst>
+              <a:ext uri="{28A0092B-C50C-407E-A947-70E740481C1C}">
+                <a14:useLocalDpi xmlns:a14="http://schemas.microsoft.com/office/drawing/2010/main" val="0"/>
+              </a:ext>
+            </a:extLst>
+          </a:blip>
+          <a:stretch>
+            <a:fillRect/>
+          </a:stretch>
+        </p:blipFill>
+        <p:spPr>
+          <a:xfrm>
+            <a:off x="273050" y="151244"/>
+            <a:ext cx="883297" cy="512312"/>
+          </a:xfrm>
+          <a:prstGeom prst="rect">
+            <a:avLst/>
+          </a:prstGeom>
+        </p:spPr>
+      </p:pic>
+      <p:pic>
+        <p:nvPicPr>
+          <p:cNvPr id="5" name="Imagem 4">
+            <a:extLst>
+              <a:ext uri="{FF2B5EF4-FFF2-40B4-BE49-F238E27FC236}">
+                <a16:creationId xmlns:a16="http://schemas.microsoft.com/office/drawing/2014/main" id="{6B6E07CB-CF8C-4083-A803-CC7DD9564291}"/>
+              </a:ext>
+            </a:extLst>
+          </p:cNvPr>
+          <p:cNvPicPr>
+            <a:picLocks noChangeAspect="1"/>
+          </p:cNvPicPr>
+          <p:nvPr/>
+        </p:nvPicPr>
+        <p:blipFill>
+          <a:blip r:embed="rId4">
+            <a:extLst>
+              <a:ext uri="{BEBA8EAE-BF5A-486C-A8C5-ECC9F3942E4B}">
+                <a14:imgProps xmlns:a14="http://schemas.microsoft.com/office/drawing/2010/main">
+                  <a14:imgLayer r:embed="rId5">
+                    <a14:imgEffect>
+                      <a14:sharpenSoften amount="100000"/>
+                    </a14:imgEffect>
+                    <a14:imgEffect>
+                      <a14:brightnessContrast bright="2000" contrast="100000"/>
+                    </a14:imgEffect>
+                  </a14:imgLayer>
+                </a14:imgProps>
+              </a:ext>
+              <a:ext uri="{28A0092B-C50C-407E-A947-70E740481C1C}">
+                <a14:useLocalDpi xmlns:a14="http://schemas.microsoft.com/office/drawing/2010/main" val="0"/>
+              </a:ext>
+            </a:extLst>
+          </a:blip>
+          <a:stretch>
+            <a:fillRect/>
+          </a:stretch>
+        </p:blipFill>
+        <p:spPr>
+          <a:xfrm rot="10800000">
+            <a:off x="-1" y="975345"/>
+            <a:ext cx="8785225" cy="5898417"/>
+          </a:xfrm>
+          <a:prstGeom prst="rect">
+            <a:avLst/>
+          </a:prstGeom>
+          <a:effectLst>
+            <a:glow>
+              <a:schemeClr val="accent1"/>
+            </a:glow>
+            <a:outerShdw blurRad="1270000" dist="88900" dir="6000000" sx="200000" sy="200000" algn="ctr" rotWithShape="0">
+              <a:srgbClr val="000000">
+                <a:alpha val="0"/>
+              </a:srgbClr>
+            </a:outerShdw>
+            <a:reflection endPos="0" dir="5400000" sy="-100000" algn="bl" rotWithShape="0"/>
+            <a:softEdge rad="0"/>
+          </a:effectLst>
+        </p:spPr>
+      </p:pic>
+      <p:cxnSp>
+        <p:nvCxnSpPr>
+          <p:cNvPr id="8" name="Conector reto 7">
+            <a:extLst>
+              <a:ext uri="{FF2B5EF4-FFF2-40B4-BE49-F238E27FC236}">
+                <a16:creationId xmlns:a16="http://schemas.microsoft.com/office/drawing/2014/main" id="{85E581E5-DECD-4E92-9070-8F7F99BCB431}"/>
+              </a:ext>
+            </a:extLst>
+          </p:cNvPr>
+          <p:cNvCxnSpPr/>
+          <p:nvPr/>
+        </p:nvCxnSpPr>
+        <p:spPr bwMode="auto">
+          <a:xfrm flipH="1">
+            <a:off x="6804248" y="1196752"/>
+            <a:ext cx="216024" cy="3960440"/>
+          </a:xfrm>
+          <a:prstGeom prst="line">
+            <a:avLst/>
+          </a:prstGeom>
+          <a:solidFill>
+            <a:srgbClr val="00B8FF"/>
+          </a:solidFill>
+          <a:ln w="76200" cap="flat" cmpd="sng" algn="ctr">
+            <a:solidFill>
+              <a:srgbClr val="C00000"/>
+            </a:solidFill>
+            <a:prstDash val="solid"/>
+            <a:round/>
+            <a:headEnd type="none" w="med" len="med"/>
+            <a:tailEnd type="none" w="med" len="med"/>
+          </a:ln>
+          <a:effectLst/>
+        </p:spPr>
+      </p:cxnSp>
+    </p:spTree>
+    <p:extLst>
+      <p:ext uri="{BB962C8B-B14F-4D97-AF65-F5344CB8AC3E}">
+        <p14:creationId xmlns:p14="http://schemas.microsoft.com/office/powerpoint/2010/main" val="2537482714"/>
+      </p:ext>
+    </p:extLst>
+  </p:cSld>
+  <p:clrMapOvr>
+    <a:masterClrMapping/>
+  </p:clrMapOvr>
+  <p:transition/>
+</p:sld>
+</file>
+
+<file path=ppt/slides/slide9.xml><?xml version="1.0" encoding="utf-8"?>
+<p:sld xmlns:a="http://schemas.openxmlformats.org/drawingml/2006/main" xmlns:r="http://schemas.openxmlformats.org/officeDocument/2006/relationships" xmlns:p="http://schemas.openxmlformats.org/presentationml/2006/main">
+  <p:cSld>
+    <p:spTree>
+      <p:nvGrpSpPr>
+        <p:cNvPr id="1" name=""/>
+        <p:cNvGrpSpPr/>
+        <p:nvPr/>
+      </p:nvGrpSpPr>
+      <p:grpSpPr>
+        <a:xfrm>
+          <a:off x="0" y="0"/>
+          <a:ext cx="0" cy="0"/>
+          <a:chOff x="0" y="0"/>
+          <a:chExt cx="0" cy="0"/>
+        </a:xfrm>
+      </p:grpSpPr>
+      <p:pic>
+        <p:nvPicPr>
           <p:cNvPr id="96258" name="Picture 10" descr="professor-beni_bb"/>
           <p:cNvPicPr>
             <a:picLocks noChangeAspect="1" noChangeArrowheads="1"/>
@@ -15978,7 +16285,7 @@
     </p:spTree>
     <p:extLst>
       <p:ext uri="{BB962C8B-B14F-4D97-AF65-F5344CB8AC3E}">
-        <p14:creationId xmlns:p14="http://schemas.microsoft.com/office/powerpoint/2010/main" val="2537482714"/>
+        <p14:creationId xmlns:p14="http://schemas.microsoft.com/office/powerpoint/2010/main" val="3574126460"/>
       </p:ext>
     </p:extLst>
   </p:cSld>

--- a/Manutenção Village/Solução ETE.pptx
+++ b/Manutenção Village/Solução ETE.pptx
@@ -15835,41 +15835,6 @@
           </a:effectLst>
         </p:spPr>
       </p:pic>
-      <p:cxnSp>
-        <p:nvCxnSpPr>
-          <p:cNvPr id="8" name="Conector reto 7">
-            <a:extLst>
-              <a:ext uri="{FF2B5EF4-FFF2-40B4-BE49-F238E27FC236}">
-                <a16:creationId xmlns:a16="http://schemas.microsoft.com/office/drawing/2014/main" id="{85E581E5-DECD-4E92-9070-8F7F99BCB431}"/>
-              </a:ext>
-            </a:extLst>
-          </p:cNvPr>
-          <p:cNvCxnSpPr/>
-          <p:nvPr/>
-        </p:nvCxnSpPr>
-        <p:spPr bwMode="auto">
-          <a:xfrm flipH="1">
-            <a:off x="6804248" y="1196752"/>
-            <a:ext cx="216024" cy="3960440"/>
-          </a:xfrm>
-          <a:prstGeom prst="line">
-            <a:avLst/>
-          </a:prstGeom>
-          <a:solidFill>
-            <a:srgbClr val="00B8FF"/>
-          </a:solidFill>
-          <a:ln w="76200" cap="flat" cmpd="sng" algn="ctr">
-            <a:solidFill>
-              <a:srgbClr val="C00000"/>
-            </a:solidFill>
-            <a:prstDash val="solid"/>
-            <a:round/>
-            <a:headEnd type="none" w="med" len="med"/>
-            <a:tailEnd type="none" w="med" len="med"/>
-          </a:ln>
-          <a:effectLst/>
-        </p:spPr>
-      </p:cxnSp>
     </p:spTree>
     <p:extLst>
       <p:ext uri="{BB962C8B-B14F-4D97-AF65-F5344CB8AC3E}">
